--- a/Chap/OOProg02/Presentations/InheritanceFundamentals.pptx
+++ b/Chap/OOProg02/Presentations/InheritanceFundamentals.pptx
@@ -260,7 +260,7 @@
           <a:p>
             <a:fld id="{E15B7D8E-2A20-4C0E-991C-872DBB7459A8}" type="datetimeFigureOut">
               <a:rPr lang="da-DK" smtClean="0"/>
-              <a:t>12-08-2022</a:t>
+              <a:t>26-08-2024</a:t>
             </a:fld>
             <a:endParaRPr lang="da-DK"/>
           </a:p>
@@ -318,6 +318,18 @@
   <p:clrMapOvr>
     <a:masterClrMapping/>
   </p:clrMapOvr>
+  <mc:AlternateContent xmlns:mc="http://schemas.openxmlformats.org/markup-compatibility/2006">
+    <mc:Choice xmlns:p14="http://schemas.microsoft.com/office/powerpoint/2010/main" Requires="p14">
+      <p:transition spd="med" p14:dur="700">
+        <p:fade/>
+      </p:transition>
+    </mc:Choice>
+    <mc:Fallback>
+      <p:transition spd="med">
+        <p:fade/>
+      </p:transition>
+    </mc:Fallback>
+  </mc:AlternateContent>
 </p:sldLayout>
 </file>
 
@@ -428,7 +440,7 @@
           <a:p>
             <a:fld id="{E15B7D8E-2A20-4C0E-991C-872DBB7459A8}" type="datetimeFigureOut">
               <a:rPr lang="da-DK" smtClean="0"/>
-              <a:t>12-08-2022</a:t>
+              <a:t>26-08-2024</a:t>
             </a:fld>
             <a:endParaRPr lang="da-DK"/>
           </a:p>
@@ -486,6 +498,18 @@
   <p:clrMapOvr>
     <a:masterClrMapping/>
   </p:clrMapOvr>
+  <mc:AlternateContent xmlns:mc="http://schemas.openxmlformats.org/markup-compatibility/2006">
+    <mc:Choice xmlns:p14="http://schemas.microsoft.com/office/powerpoint/2010/main" Requires="p14">
+      <p:transition spd="med" p14:dur="700">
+        <p:fade/>
+      </p:transition>
+    </mc:Choice>
+    <mc:Fallback>
+      <p:transition spd="med">
+        <p:fade/>
+      </p:transition>
+    </mc:Fallback>
+  </mc:AlternateContent>
 </p:sldLayout>
 </file>
 
@@ -606,7 +630,7 @@
           <a:p>
             <a:fld id="{E15B7D8E-2A20-4C0E-991C-872DBB7459A8}" type="datetimeFigureOut">
               <a:rPr lang="da-DK" smtClean="0"/>
-              <a:t>12-08-2022</a:t>
+              <a:t>26-08-2024</a:t>
             </a:fld>
             <a:endParaRPr lang="da-DK"/>
           </a:p>
@@ -664,6 +688,18 @@
   <p:clrMapOvr>
     <a:masterClrMapping/>
   </p:clrMapOvr>
+  <mc:AlternateContent xmlns:mc="http://schemas.openxmlformats.org/markup-compatibility/2006">
+    <mc:Choice xmlns:p14="http://schemas.microsoft.com/office/powerpoint/2010/main" Requires="p14">
+      <p:transition spd="med" p14:dur="700">
+        <p:fade/>
+      </p:transition>
+    </mc:Choice>
+    <mc:Fallback>
+      <p:transition spd="med">
+        <p:fade/>
+      </p:transition>
+    </mc:Fallback>
+  </mc:AlternateContent>
 </p:sldLayout>
 </file>
 
@@ -774,7 +810,7 @@
           <a:p>
             <a:fld id="{E15B7D8E-2A20-4C0E-991C-872DBB7459A8}" type="datetimeFigureOut">
               <a:rPr lang="da-DK" smtClean="0"/>
-              <a:t>12-08-2022</a:t>
+              <a:t>26-08-2024</a:t>
             </a:fld>
             <a:endParaRPr lang="da-DK"/>
           </a:p>
@@ -832,6 +868,18 @@
   <p:clrMapOvr>
     <a:masterClrMapping/>
   </p:clrMapOvr>
+  <mc:AlternateContent xmlns:mc="http://schemas.openxmlformats.org/markup-compatibility/2006">
+    <mc:Choice xmlns:p14="http://schemas.microsoft.com/office/powerpoint/2010/main" Requires="p14">
+      <p:transition spd="med" p14:dur="700">
+        <p:fade/>
+      </p:transition>
+    </mc:Choice>
+    <mc:Fallback>
+      <p:transition spd="med">
+        <p:fade/>
+      </p:transition>
+    </mc:Fallback>
+  </mc:AlternateContent>
 </p:sldLayout>
 </file>
 
@@ -1019,7 +1067,7 @@
           <a:p>
             <a:fld id="{E15B7D8E-2A20-4C0E-991C-872DBB7459A8}" type="datetimeFigureOut">
               <a:rPr lang="da-DK" smtClean="0"/>
-              <a:t>12-08-2022</a:t>
+              <a:t>26-08-2024</a:t>
             </a:fld>
             <a:endParaRPr lang="da-DK"/>
           </a:p>
@@ -1077,6 +1125,18 @@
   <p:clrMapOvr>
     <a:masterClrMapping/>
   </p:clrMapOvr>
+  <mc:AlternateContent xmlns:mc="http://schemas.openxmlformats.org/markup-compatibility/2006">
+    <mc:Choice xmlns:p14="http://schemas.microsoft.com/office/powerpoint/2010/main" Requires="p14">
+      <p:transition spd="med" p14:dur="700">
+        <p:fade/>
+      </p:transition>
+    </mc:Choice>
+    <mc:Fallback>
+      <p:transition spd="med">
+        <p:fade/>
+      </p:transition>
+    </mc:Fallback>
+  </mc:AlternateContent>
 </p:sldLayout>
 </file>
 
@@ -1248,7 +1308,7 @@
           <a:p>
             <a:fld id="{E15B7D8E-2A20-4C0E-991C-872DBB7459A8}" type="datetimeFigureOut">
               <a:rPr lang="da-DK" smtClean="0"/>
-              <a:t>12-08-2022</a:t>
+              <a:t>26-08-2024</a:t>
             </a:fld>
             <a:endParaRPr lang="da-DK"/>
           </a:p>
@@ -1306,6 +1366,18 @@
   <p:clrMapOvr>
     <a:masterClrMapping/>
   </p:clrMapOvr>
+  <mc:AlternateContent xmlns:mc="http://schemas.openxmlformats.org/markup-compatibility/2006">
+    <mc:Choice xmlns:p14="http://schemas.microsoft.com/office/powerpoint/2010/main" Requires="p14">
+      <p:transition spd="med" p14:dur="700">
+        <p:fade/>
+      </p:transition>
+    </mc:Choice>
+    <mc:Fallback>
+      <p:transition spd="med">
+        <p:fade/>
+      </p:transition>
+    </mc:Fallback>
+  </mc:AlternateContent>
 </p:sldLayout>
 </file>
 
@@ -1612,7 +1684,7 @@
           <a:p>
             <a:fld id="{E15B7D8E-2A20-4C0E-991C-872DBB7459A8}" type="datetimeFigureOut">
               <a:rPr lang="da-DK" smtClean="0"/>
-              <a:t>12-08-2022</a:t>
+              <a:t>26-08-2024</a:t>
             </a:fld>
             <a:endParaRPr lang="da-DK"/>
           </a:p>
@@ -1670,6 +1742,18 @@
   <p:clrMapOvr>
     <a:masterClrMapping/>
   </p:clrMapOvr>
+  <mc:AlternateContent xmlns:mc="http://schemas.openxmlformats.org/markup-compatibility/2006">
+    <mc:Choice xmlns:p14="http://schemas.microsoft.com/office/powerpoint/2010/main" Requires="p14">
+      <p:transition spd="med" p14:dur="700">
+        <p:fade/>
+      </p:transition>
+    </mc:Choice>
+    <mc:Fallback>
+      <p:transition spd="med">
+        <p:fade/>
+      </p:transition>
+    </mc:Fallback>
+  </mc:AlternateContent>
 </p:sldLayout>
 </file>
 
@@ -1729,7 +1813,7 @@
           <a:p>
             <a:fld id="{E15B7D8E-2A20-4C0E-991C-872DBB7459A8}" type="datetimeFigureOut">
               <a:rPr lang="da-DK" smtClean="0"/>
-              <a:t>12-08-2022</a:t>
+              <a:t>26-08-2024</a:t>
             </a:fld>
             <a:endParaRPr lang="da-DK"/>
           </a:p>
@@ -1787,6 +1871,18 @@
   <p:clrMapOvr>
     <a:masterClrMapping/>
   </p:clrMapOvr>
+  <mc:AlternateContent xmlns:mc="http://schemas.openxmlformats.org/markup-compatibility/2006">
+    <mc:Choice xmlns:p14="http://schemas.microsoft.com/office/powerpoint/2010/main" Requires="p14">
+      <p:transition spd="med" p14:dur="700">
+        <p:fade/>
+      </p:transition>
+    </mc:Choice>
+    <mc:Fallback>
+      <p:transition spd="med">
+        <p:fade/>
+      </p:transition>
+    </mc:Fallback>
+  </mc:AlternateContent>
 </p:sldLayout>
 </file>
 
@@ -1824,7 +1920,7 @@
           <a:p>
             <a:fld id="{E15B7D8E-2A20-4C0E-991C-872DBB7459A8}" type="datetimeFigureOut">
               <a:rPr lang="da-DK" smtClean="0"/>
-              <a:t>12-08-2022</a:t>
+              <a:t>26-08-2024</a:t>
             </a:fld>
             <a:endParaRPr lang="da-DK"/>
           </a:p>
@@ -1882,6 +1978,18 @@
   <p:clrMapOvr>
     <a:masterClrMapping/>
   </p:clrMapOvr>
+  <mc:AlternateContent xmlns:mc="http://schemas.openxmlformats.org/markup-compatibility/2006">
+    <mc:Choice xmlns:p14="http://schemas.microsoft.com/office/powerpoint/2010/main" Requires="p14">
+      <p:transition spd="med" p14:dur="700">
+        <p:fade/>
+      </p:transition>
+    </mc:Choice>
+    <mc:Fallback>
+      <p:transition spd="med">
+        <p:fade/>
+      </p:transition>
+    </mc:Fallback>
+  </mc:AlternateContent>
 </p:sldLayout>
 </file>
 
@@ -2099,7 +2207,7 @@
           <a:p>
             <a:fld id="{E15B7D8E-2A20-4C0E-991C-872DBB7459A8}" type="datetimeFigureOut">
               <a:rPr lang="da-DK" smtClean="0"/>
-              <a:t>12-08-2022</a:t>
+              <a:t>26-08-2024</a:t>
             </a:fld>
             <a:endParaRPr lang="da-DK"/>
           </a:p>
@@ -2157,6 +2265,18 @@
   <p:clrMapOvr>
     <a:masterClrMapping/>
   </p:clrMapOvr>
+  <mc:AlternateContent xmlns:mc="http://schemas.openxmlformats.org/markup-compatibility/2006">
+    <mc:Choice xmlns:p14="http://schemas.microsoft.com/office/powerpoint/2010/main" Requires="p14">
+      <p:transition spd="med" p14:dur="700">
+        <p:fade/>
+      </p:transition>
+    </mc:Choice>
+    <mc:Fallback>
+      <p:transition spd="med">
+        <p:fade/>
+      </p:transition>
+    </mc:Fallback>
+  </mc:AlternateContent>
 </p:sldLayout>
 </file>
 
@@ -2351,7 +2471,7 @@
           <a:p>
             <a:fld id="{E15B7D8E-2A20-4C0E-991C-872DBB7459A8}" type="datetimeFigureOut">
               <a:rPr lang="da-DK" smtClean="0"/>
-              <a:t>12-08-2022</a:t>
+              <a:t>26-08-2024</a:t>
             </a:fld>
             <a:endParaRPr lang="da-DK"/>
           </a:p>
@@ -2409,6 +2529,18 @@
   <p:clrMapOvr>
     <a:masterClrMapping/>
   </p:clrMapOvr>
+  <mc:AlternateContent xmlns:mc="http://schemas.openxmlformats.org/markup-compatibility/2006">
+    <mc:Choice xmlns:p14="http://schemas.microsoft.com/office/powerpoint/2010/main" Requires="p14">
+      <p:transition spd="med" p14:dur="700">
+        <p:fade/>
+      </p:transition>
+    </mc:Choice>
+    <mc:Fallback>
+      <p:transition spd="med">
+        <p:fade/>
+      </p:transition>
+    </mc:Fallback>
+  </mc:AlternateContent>
 </p:sldLayout>
 </file>
 
@@ -2562,7 +2694,7 @@
           <a:p>
             <a:fld id="{E15B7D8E-2A20-4C0E-991C-872DBB7459A8}" type="datetimeFigureOut">
               <a:rPr lang="da-DK" smtClean="0"/>
-              <a:t>12-08-2022</a:t>
+              <a:t>26-08-2024</a:t>
             </a:fld>
             <a:endParaRPr lang="da-DK"/>
           </a:p>
@@ -2667,6 +2799,18 @@
     <p:sldLayoutId id="2147483658" r:id="rId10"/>
     <p:sldLayoutId id="2147483659" r:id="rId11"/>
   </p:sldLayoutIdLst>
+  <mc:AlternateContent xmlns:mc="http://schemas.openxmlformats.org/markup-compatibility/2006">
+    <mc:Choice xmlns:p14="http://schemas.microsoft.com/office/powerpoint/2010/main" Requires="p14">
+      <p:transition spd="med" p14:dur="700">
+        <p:fade/>
+      </p:transition>
+    </mc:Choice>
+    <mc:Fallback>
+      <p:transition spd="med">
+        <p:fade/>
+      </p:transition>
+    </mc:Fallback>
+  </mc:AlternateContent>
   <p:txStyles>
     <p:titleStyle>
       <a:lvl1pPr algn="l" defTabSz="914400" rtl="0" eaLnBrk="1" latinLnBrk="0" hangingPunct="1">
@@ -3021,6 +3165,18 @@
   <p:clrMapOvr>
     <a:masterClrMapping/>
   </p:clrMapOvr>
+  <mc:AlternateContent xmlns:mc="http://schemas.openxmlformats.org/markup-compatibility/2006">
+    <mc:Choice xmlns:p14="http://schemas.microsoft.com/office/powerpoint/2010/main" Requires="p14">
+      <p:transition spd="med" p14:dur="700">
+        <p:fade/>
+      </p:transition>
+    </mc:Choice>
+    <mc:Fallback>
+      <p:transition spd="med">
+        <p:fade/>
+      </p:transition>
+    </mc:Fallback>
+  </mc:AlternateContent>
 </p:sld>
 </file>
 
@@ -3162,6 +3318,18 @@
   <p:clrMapOvr>
     <a:masterClrMapping/>
   </p:clrMapOvr>
+  <mc:AlternateContent xmlns:mc="http://schemas.openxmlformats.org/markup-compatibility/2006">
+    <mc:Choice xmlns:p14="http://schemas.microsoft.com/office/powerpoint/2010/main" Requires="p14">
+      <p:transition spd="med" p14:dur="700">
+        <p:fade/>
+      </p:transition>
+    </mc:Choice>
+    <mc:Fallback>
+      <p:transition spd="med">
+        <p:fade/>
+      </p:transition>
+    </mc:Fallback>
+  </mc:AlternateContent>
 </p:sld>
 </file>
 
@@ -3191,7 +3359,7 @@
         <p:spPr>
           <a:xfrm>
             <a:off x="1672389" y="1012925"/>
-            <a:ext cx="8121316" cy="2862322"/>
+            <a:ext cx="8121316" cy="2308324"/>
           </a:xfrm>
           <a:prstGeom prst="rect">
             <a:avLst/>
@@ -3250,9 +3418,18 @@
           <a:p>
             <a:r>
               <a:rPr lang="da-DK" sz="3600" b="1">
-                <a:latin typeface="Consolas" panose="020B0609020204030204" pitchFamily="49" charset="0"/>
-              </a:rPr>
-              <a:t>   </a:t>
+                <a:solidFill>
+                  <a:srgbClr val="0070C0"/>
+                </a:solidFill>
+                <a:latin typeface="Consolas" panose="020B0609020204030204" pitchFamily="49" charset="0"/>
+              </a:rPr>
+              <a:t>    public int</a:t>
+            </a:r>
+            <a:r>
+              <a:rPr lang="da-DK" sz="3600" b="1">
+                <a:latin typeface="Consolas" panose="020B0609020204030204" pitchFamily="49" charset="0"/>
+              </a:rPr>
+              <a:t> Age { </a:t>
             </a:r>
             <a:r>
               <a:rPr lang="da-DK" sz="3600" b="1">
@@ -3261,36 +3438,13 @@
                 </a:solidFill>
                 <a:latin typeface="Consolas" panose="020B0609020204030204" pitchFamily="49" charset="0"/>
               </a:rPr>
-              <a:t>private int </a:t>
+              <a:t>get</a:t>
             </a:r>
             <a:r>
               <a:rPr lang="da-DK" sz="3600" b="1">
                 <a:latin typeface="Consolas" panose="020B0609020204030204" pitchFamily="49" charset="0"/>
               </a:rPr>
-              <a:t>_age;</a:t>
-            </a:r>
-          </a:p>
-          <a:p>
-            <a:r>
-              <a:rPr lang="da-DK" sz="3600" b="1">
-                <a:latin typeface="Consolas" panose="020B0609020204030204" pitchFamily="49" charset="0"/>
-              </a:rPr>
-              <a:t>   </a:t>
-            </a:r>
-            <a:r>
-              <a:rPr lang="da-DK" sz="3600" b="1">
-                <a:solidFill>
-                  <a:srgbClr val="0070C0"/>
-                </a:solidFill>
-                <a:latin typeface="Consolas" panose="020B0609020204030204" pitchFamily="49" charset="0"/>
-              </a:rPr>
-              <a:t>public int</a:t>
-            </a:r>
-            <a:r>
-              <a:rPr lang="da-DK" sz="3600" b="1">
-                <a:latin typeface="Consolas" panose="020B0609020204030204" pitchFamily="49" charset="0"/>
-              </a:rPr>
-              <a:t> Age {…}</a:t>
+              <a:t>; }</a:t>
             </a:r>
           </a:p>
           <a:p>
@@ -3316,13 +3470,13 @@
   <p:clrMapOvr>
     <a:masterClrMapping/>
   </p:clrMapOvr>
-  <mc:AlternateContent xmlns:mc="http://schemas.openxmlformats.org/markup-compatibility/2006" xmlns:p14="http://schemas.microsoft.com/office/powerpoint/2010/main">
-    <mc:Choice Requires="p14">
+  <mc:AlternateContent xmlns:mc="http://schemas.openxmlformats.org/markup-compatibility/2006">
+    <mc:Choice xmlns:p14="http://schemas.microsoft.com/office/powerpoint/2010/main" Requires="p14">
       <p:transition spd="med" p14:dur="700">
         <p:fade/>
       </p:transition>
     </mc:Choice>
-    <mc:Fallback xmlns="">
+    <mc:Fallback>
       <p:transition spd="med">
         <p:fade/>
       </p:transition>
@@ -3357,7 +3511,7 @@
         <p:spPr>
           <a:xfrm>
             <a:off x="1672389" y="1012925"/>
-            <a:ext cx="8121316" cy="2862322"/>
+            <a:ext cx="8898870" cy="2308324"/>
           </a:xfrm>
           <a:prstGeom prst="rect">
             <a:avLst/>
@@ -3433,9 +3587,18 @@
           <a:p>
             <a:r>
               <a:rPr lang="da-DK" sz="3600" b="1">
-                <a:latin typeface="Consolas" panose="020B0609020204030204" pitchFamily="49" charset="0"/>
-              </a:rPr>
-              <a:t>   </a:t>
+                <a:solidFill>
+                  <a:srgbClr val="0070C0"/>
+                </a:solidFill>
+                <a:latin typeface="Consolas" panose="020B0609020204030204" pitchFamily="49" charset="0"/>
+              </a:rPr>
+              <a:t>    public bool</a:t>
+            </a:r>
+            <a:r>
+              <a:rPr lang="da-DK" sz="3600" b="1">
+                <a:latin typeface="Consolas" panose="020B0609020204030204" pitchFamily="49" charset="0"/>
+              </a:rPr>
+              <a:t> CanHunt { </a:t>
             </a:r>
             <a:r>
               <a:rPr lang="da-DK" sz="3600" b="1">
@@ -3444,37 +3607,17 @@
                 </a:solidFill>
                 <a:latin typeface="Consolas" panose="020B0609020204030204" pitchFamily="49" charset="0"/>
               </a:rPr>
-              <a:t>private bool </a:t>
+              <a:t>get</a:t>
             </a:r>
             <a:r>
               <a:rPr lang="da-DK" sz="3600" b="1">
                 <a:latin typeface="Consolas" panose="020B0609020204030204" pitchFamily="49" charset="0"/>
               </a:rPr>
-              <a:t>_canHunt;</a:t>
-            </a:r>
-          </a:p>
-          <a:p>
-            <a:r>
-              <a:rPr lang="da-DK" sz="3600" b="1">
-                <a:latin typeface="Consolas" panose="020B0609020204030204" pitchFamily="49" charset="0"/>
-              </a:rPr>
-              <a:t>   </a:t>
-            </a:r>
-            <a:r>
-              <a:rPr lang="da-DK" sz="3600" b="1">
-                <a:solidFill>
-                  <a:srgbClr val="0070C0"/>
-                </a:solidFill>
-                <a:latin typeface="Consolas" panose="020B0609020204030204" pitchFamily="49" charset="0"/>
-              </a:rPr>
-              <a:t>public bool</a:t>
-            </a:r>
-            <a:r>
-              <a:rPr lang="da-DK" sz="3600" b="1">
-                <a:latin typeface="Consolas" panose="020B0609020204030204" pitchFamily="49" charset="0"/>
-              </a:rPr>
-              <a:t> CanHunt {…}</a:t>
-            </a:r>
+              <a:t>; }</a:t>
+            </a:r>
+            <a:endParaRPr lang="en-US" sz="3600" b="1">
+              <a:latin typeface="Consolas" panose="020B0609020204030204" pitchFamily="49" charset="0"/>
+            </a:endParaRPr>
           </a:p>
           <a:p>
             <a:r>
@@ -3499,13 +3642,13 @@
   <p:clrMapOvr>
     <a:masterClrMapping/>
   </p:clrMapOvr>
-  <mc:AlternateContent xmlns:mc="http://schemas.openxmlformats.org/markup-compatibility/2006" xmlns:p14="http://schemas.microsoft.com/office/powerpoint/2010/main">
-    <mc:Choice Requires="p14">
+  <mc:AlternateContent xmlns:mc="http://schemas.openxmlformats.org/markup-compatibility/2006">
+    <mc:Choice xmlns:p14="http://schemas.microsoft.com/office/powerpoint/2010/main" Requires="p14">
       <p:transition spd="med" p14:dur="700">
         <p:fade/>
       </p:transition>
     </mc:Choice>
-    <mc:Fallback xmlns="">
+    <mc:Fallback>
       <p:transition spd="med">
         <p:fade/>
       </p:transition>
@@ -3786,13 +3929,13 @@
   <p:clrMapOvr>
     <a:masterClrMapping/>
   </p:clrMapOvr>
-  <mc:AlternateContent xmlns:mc="http://schemas.openxmlformats.org/markup-compatibility/2006" xmlns:p14="http://schemas.microsoft.com/office/powerpoint/2010/main">
-    <mc:Choice Requires="p14">
+  <mc:AlternateContent xmlns:mc="http://schemas.openxmlformats.org/markup-compatibility/2006">
+    <mc:Choice xmlns:p14="http://schemas.microsoft.com/office/powerpoint/2010/main" Requires="p14">
       <p:transition spd="med" p14:dur="700">
         <p:fade/>
       </p:transition>
     </mc:Choice>
-    <mc:Fallback xmlns="">
+    <mc:Fallback>
       <p:transition spd="med">
         <p:fade/>
       </p:transition>
@@ -4295,6 +4438,18 @@
   <p:clrMapOvr>
     <a:masterClrMapping/>
   </p:clrMapOvr>
+  <mc:AlternateContent xmlns:mc="http://schemas.openxmlformats.org/markup-compatibility/2006">
+    <mc:Choice xmlns:p14="http://schemas.microsoft.com/office/powerpoint/2010/main" Requires="p14">
+      <p:transition spd="med" p14:dur="700">
+        <p:fade/>
+      </p:transition>
+    </mc:Choice>
+    <mc:Fallback>
+      <p:transition spd="med">
+        <p:fade/>
+      </p:transition>
+    </mc:Fallback>
+  </mc:AlternateContent>
   <p:timing>
     <p:tnLst>
       <p:par>
@@ -4849,13 +5004,13 @@
   <p:clrMapOvr>
     <a:masterClrMapping/>
   </p:clrMapOvr>
-  <mc:AlternateContent xmlns:mc="http://schemas.openxmlformats.org/markup-compatibility/2006" xmlns:p14="http://schemas.microsoft.com/office/powerpoint/2010/main">
-    <mc:Choice Requires="p14">
+  <mc:AlternateContent xmlns:mc="http://schemas.openxmlformats.org/markup-compatibility/2006">
+    <mc:Choice xmlns:p14="http://schemas.microsoft.com/office/powerpoint/2010/main" Requires="p14">
       <p:transition spd="med" p14:dur="700">
         <p:fade/>
       </p:transition>
     </mc:Choice>
-    <mc:Fallback xmlns="">
+    <mc:Fallback>
       <p:transition spd="med">
         <p:fade/>
       </p:transition>
@@ -5423,13 +5578,13 @@
   <p:clrMapOvr>
     <a:masterClrMapping/>
   </p:clrMapOvr>
-  <mc:AlternateContent xmlns:mc="http://schemas.openxmlformats.org/markup-compatibility/2006" xmlns:p14="http://schemas.microsoft.com/office/powerpoint/2010/main">
-    <mc:Choice Requires="p14">
+  <mc:AlternateContent xmlns:mc="http://schemas.openxmlformats.org/markup-compatibility/2006">
+    <mc:Choice xmlns:p14="http://schemas.microsoft.com/office/powerpoint/2010/main" Requires="p14">
       <p:transition spd="med" p14:dur="700">
         <p:fade/>
       </p:transition>
     </mc:Choice>
-    <mc:Fallback xmlns="">
+    <mc:Fallback>
       <p:transition spd="med">
         <p:fade/>
       </p:transition>
@@ -5823,6 +5978,18 @@
   <p:clrMapOvr>
     <a:masterClrMapping/>
   </p:clrMapOvr>
+  <mc:AlternateContent xmlns:mc="http://schemas.openxmlformats.org/markup-compatibility/2006">
+    <mc:Choice xmlns:p14="http://schemas.microsoft.com/office/powerpoint/2010/main" Requires="p14">
+      <p:transition spd="med" p14:dur="700">
+        <p:fade/>
+      </p:transition>
+    </mc:Choice>
+    <mc:Fallback>
+      <p:transition spd="med">
+        <p:fade/>
+      </p:transition>
+    </mc:Fallback>
+  </mc:AlternateContent>
 </p:sld>
 </file>
 
@@ -6136,13 +6303,13 @@
   <p:clrMapOvr>
     <a:masterClrMapping/>
   </p:clrMapOvr>
-  <mc:AlternateContent xmlns:mc="http://schemas.openxmlformats.org/markup-compatibility/2006" xmlns:p14="http://schemas.microsoft.com/office/powerpoint/2010/main">
-    <mc:Choice Requires="p14">
+  <mc:AlternateContent xmlns:mc="http://schemas.openxmlformats.org/markup-compatibility/2006">
+    <mc:Choice xmlns:p14="http://schemas.microsoft.com/office/powerpoint/2010/main" Requires="p14">
       <p:transition spd="med" p14:dur="700">
         <p:fade/>
       </p:transition>
     </mc:Choice>
-    <mc:Fallback xmlns="">
+    <mc:Fallback>
       <p:transition spd="med">
         <p:fade/>
       </p:transition>
@@ -6579,13 +6746,13 @@
   <p:clrMapOvr>
     <a:masterClrMapping/>
   </p:clrMapOvr>
-  <mc:AlternateContent xmlns:mc="http://schemas.openxmlformats.org/markup-compatibility/2006" xmlns:p14="http://schemas.microsoft.com/office/powerpoint/2010/main">
-    <mc:Choice Requires="p14">
+  <mc:AlternateContent xmlns:mc="http://schemas.openxmlformats.org/markup-compatibility/2006">
+    <mc:Choice xmlns:p14="http://schemas.microsoft.com/office/powerpoint/2010/main" Requires="p14">
       <p:transition spd="med" p14:dur="700">
         <p:fade/>
       </p:transition>
     </mc:Choice>
-    <mc:Fallback xmlns="">
+    <mc:Fallback>
       <p:transition spd="med">
         <p:fade/>
       </p:transition>
@@ -6873,6 +7040,18 @@
   <p:clrMapOvr>
     <a:masterClrMapping/>
   </p:clrMapOvr>
+  <mc:AlternateContent xmlns:mc="http://schemas.openxmlformats.org/markup-compatibility/2006">
+    <mc:Choice xmlns:p14="http://schemas.microsoft.com/office/powerpoint/2010/main" Requires="p14">
+      <p:transition spd="med" p14:dur="700">
+        <p:fade/>
+      </p:transition>
+    </mc:Choice>
+    <mc:Fallback>
+      <p:transition spd="med">
+        <p:fade/>
+      </p:transition>
+    </mc:Fallback>
+  </mc:AlternateContent>
   <p:timing>
     <p:tnLst>
       <p:par>
@@ -7391,13 +7570,13 @@
   <p:clrMapOvr>
     <a:masterClrMapping/>
   </p:clrMapOvr>
-  <mc:AlternateContent xmlns:mc="http://schemas.openxmlformats.org/markup-compatibility/2006" xmlns:p14="http://schemas.microsoft.com/office/powerpoint/2010/main">
-    <mc:Choice Requires="p14">
+  <mc:AlternateContent xmlns:mc="http://schemas.openxmlformats.org/markup-compatibility/2006">
+    <mc:Choice xmlns:p14="http://schemas.microsoft.com/office/powerpoint/2010/main" Requires="p14">
       <p:transition spd="med" p14:dur="700">
         <p:fade/>
       </p:transition>
     </mc:Choice>
-    <mc:Fallback xmlns="">
+    <mc:Fallback>
       <p:transition spd="med">
         <p:fade/>
       </p:transition>
@@ -7740,13 +7919,13 @@
   <p:clrMapOvr>
     <a:masterClrMapping/>
   </p:clrMapOvr>
-  <mc:AlternateContent xmlns:mc="http://schemas.openxmlformats.org/markup-compatibility/2006" xmlns:p14="http://schemas.microsoft.com/office/powerpoint/2010/main">
-    <mc:Choice Requires="p14">
+  <mc:AlternateContent xmlns:mc="http://schemas.openxmlformats.org/markup-compatibility/2006">
+    <mc:Choice xmlns:p14="http://schemas.microsoft.com/office/powerpoint/2010/main" Requires="p14">
       <p:transition spd="med" p14:dur="700">
         <p:fade/>
       </p:transition>
     </mc:Choice>
-    <mc:Fallback xmlns="">
+    <mc:Fallback>
       <p:transition spd="med">
         <p:fade/>
       </p:transition>
@@ -8161,13 +8340,13 @@
   <p:clrMapOvr>
     <a:masterClrMapping/>
   </p:clrMapOvr>
-  <mc:AlternateContent xmlns:mc="http://schemas.openxmlformats.org/markup-compatibility/2006" xmlns:p14="http://schemas.microsoft.com/office/powerpoint/2010/main">
-    <mc:Choice Requires="p14">
+  <mc:AlternateContent xmlns:mc="http://schemas.openxmlformats.org/markup-compatibility/2006">
+    <mc:Choice xmlns:p14="http://schemas.microsoft.com/office/powerpoint/2010/main" Requires="p14">
       <p:transition spd="med" p14:dur="700">
         <p:fade/>
       </p:transition>
     </mc:Choice>
-    <mc:Fallback xmlns="">
+    <mc:Fallback>
       <p:transition spd="med">
         <p:fade/>
       </p:transition>
@@ -8441,6 +8620,18 @@
   <p:clrMapOvr>
     <a:masterClrMapping/>
   </p:clrMapOvr>
+  <mc:AlternateContent xmlns:mc="http://schemas.openxmlformats.org/markup-compatibility/2006">
+    <mc:Choice xmlns:p14="http://schemas.microsoft.com/office/powerpoint/2010/main" Requires="p14">
+      <p:transition spd="med" p14:dur="700">
+        <p:fade/>
+      </p:transition>
+    </mc:Choice>
+    <mc:Fallback>
+      <p:transition spd="med">
+        <p:fade/>
+      </p:transition>
+    </mc:Fallback>
+  </mc:AlternateContent>
 </p:sld>
 </file>
 
@@ -8814,13 +9005,13 @@
   <p:clrMapOvr>
     <a:masterClrMapping/>
   </p:clrMapOvr>
-  <mc:AlternateContent xmlns:mc="http://schemas.openxmlformats.org/markup-compatibility/2006" xmlns:p14="http://schemas.microsoft.com/office/powerpoint/2010/main">
-    <mc:Choice Requires="p14">
+  <mc:AlternateContent xmlns:mc="http://schemas.openxmlformats.org/markup-compatibility/2006">
+    <mc:Choice xmlns:p14="http://schemas.microsoft.com/office/powerpoint/2010/main" Requires="p14">
       <p:transition spd="med" p14:dur="700">
         <p:fade/>
       </p:transition>
     </mc:Choice>
-    <mc:Fallback xmlns="">
+    <mc:Fallback>
       <p:transition spd="med">
         <p:fade/>
       </p:transition>
@@ -9239,7 +9430,7 @@
           <a:p>
             <a:r>
               <a:rPr lang="da-DK" sz="2400"/>
-              <a:t>bool _canHunt;</a:t>
+              <a:t>bool CanHunt;</a:t>
             </a:r>
           </a:p>
           <a:p>
@@ -9287,7 +9478,7 @@
           <a:p>
             <a:r>
               <a:rPr lang="da-DK" sz="2400"/>
-              <a:t>double _purrDB;</a:t>
+              <a:t>double PurrDB;</a:t>
             </a:r>
           </a:p>
         </p:txBody>
@@ -9334,7 +9525,7 @@
           <a:p>
             <a:r>
               <a:rPr lang="da-DK" sz="2800"/>
-              <a:t>int _age;</a:t>
+              <a:t>int Age;</a:t>
             </a:r>
           </a:p>
           <a:p>
@@ -9384,7 +9575,7 @@
           <a:p>
             <a:r>
               <a:rPr lang="da-DK" sz="2800"/>
-              <a:t>int _age;</a:t>
+              <a:t>int Age;</a:t>
             </a:r>
           </a:p>
           <a:p>
@@ -9443,13 +9634,13 @@
   <p:clrMapOvr>
     <a:masterClrMapping/>
   </p:clrMapOvr>
-  <mc:AlternateContent xmlns:mc="http://schemas.openxmlformats.org/markup-compatibility/2006" xmlns:p14="http://schemas.microsoft.com/office/powerpoint/2010/main">
-    <mc:Choice Requires="p14">
+  <mc:AlternateContent xmlns:mc="http://schemas.openxmlformats.org/markup-compatibility/2006">
+    <mc:Choice xmlns:p14="http://schemas.microsoft.com/office/powerpoint/2010/main" Requires="p14">
       <p:transition spd="med" p14:dur="700">
         <p:fade/>
       </p:transition>
     </mc:Choice>
-    <mc:Fallback xmlns="">
+    <mc:Fallback>
       <p:transition spd="med">
         <p:fade/>
       </p:transition>
@@ -9780,13 +9971,13 @@
   <p:clrMapOvr>
     <a:masterClrMapping/>
   </p:clrMapOvr>
-  <mc:AlternateContent xmlns:mc="http://schemas.openxmlformats.org/markup-compatibility/2006" xmlns:p14="http://schemas.microsoft.com/office/powerpoint/2010/main">
-    <mc:Choice Requires="p14">
+  <mc:AlternateContent xmlns:mc="http://schemas.openxmlformats.org/markup-compatibility/2006">
+    <mc:Choice xmlns:p14="http://schemas.microsoft.com/office/powerpoint/2010/main" Requires="p14">
       <p:transition spd="med" p14:dur="700">
         <p:fade/>
       </p:transition>
     </mc:Choice>
-    <mc:Fallback xmlns="">
+    <mc:Fallback>
       <p:transition spd="med">
         <p:fade/>
       </p:transition>
@@ -10023,7 +10214,7 @@
           <a:p>
             <a:r>
               <a:rPr lang="da-DK" sz="2400"/>
-              <a:t>bool _canHunt;</a:t>
+              <a:t>bool CanHunt;</a:t>
             </a:r>
           </a:p>
         </p:txBody>
@@ -10068,7 +10259,7 @@
           <a:p>
             <a:r>
               <a:rPr lang="da-DK" sz="2400"/>
-              <a:t>double _purrDB;</a:t>
+              <a:t>double PurrDB;</a:t>
             </a:r>
           </a:p>
         </p:txBody>
@@ -10115,7 +10306,7 @@
           <a:p>
             <a:r>
               <a:rPr lang="da-DK" sz="2800"/>
-              <a:t>int _age;</a:t>
+              <a:t>int Age;</a:t>
             </a:r>
           </a:p>
           <a:p>
@@ -10258,13 +10449,13 @@
   <p:clrMapOvr>
     <a:masterClrMapping/>
   </p:clrMapOvr>
-  <mc:AlternateContent xmlns:mc="http://schemas.openxmlformats.org/markup-compatibility/2006" xmlns:p14="http://schemas.microsoft.com/office/powerpoint/2010/main">
-    <mc:Choice Requires="p14">
+  <mc:AlternateContent xmlns:mc="http://schemas.openxmlformats.org/markup-compatibility/2006">
+    <mc:Choice xmlns:p14="http://schemas.microsoft.com/office/powerpoint/2010/main" Requires="p14">
       <p:transition spd="med" p14:dur="700">
         <p:fade/>
       </p:transition>
     </mc:Choice>
-    <mc:Fallback xmlns="">
+    <mc:Fallback>
       <p:transition spd="med">
         <p:fade/>
       </p:transition>
